--- a/Architecture.pptx
+++ b/Architecture.pptx
@@ -6,6 +6,7 @@
   </p:sldMasterIdLst>
   <p:sldIdLst>
     <p:sldId id="256" r:id="rId2"/>
+    <p:sldId id="257" r:id="rId3"/>
   </p:sldIdLst>
   <p:sldSz cx="9144000" cy="6858000" type="screen4x3"/>
   <p:notesSz cx="6858000" cy="9144000"/>
@@ -3187,6 +3188,124 @@
     <p:extLst>
       <p:ext uri="{BB962C8B-B14F-4D97-AF65-F5344CB8AC3E}">
         <p14:creationId xmlns:p14="http://schemas.microsoft.com/office/powerpoint/2010/main" val="2334673794"/>
+      </p:ext>
+    </p:extLst>
+  </p:cSld>
+  <p:clrMapOvr>
+    <a:masterClrMapping/>
+  </p:clrMapOvr>
+</p:sld>
+</file>
+
+<file path=ppt/slides/slide2.xml><?xml version="1.0" encoding="utf-8"?>
+<p:sld xmlns:a="http://schemas.openxmlformats.org/drawingml/2006/main" xmlns:r="http://schemas.openxmlformats.org/officeDocument/2006/relationships" xmlns:p="http://schemas.openxmlformats.org/presentationml/2006/main">
+  <p:cSld>
+    <p:spTree>
+      <p:nvGrpSpPr>
+        <p:cNvPr id="1" name=""/>
+        <p:cNvGrpSpPr/>
+        <p:nvPr/>
+      </p:nvGrpSpPr>
+      <p:grpSpPr>
+        <a:xfrm>
+          <a:off x="0" y="0"/>
+          <a:ext cx="0" cy="0"/>
+          <a:chOff x="0" y="0"/>
+          <a:chExt cx="0" cy="0"/>
+        </a:xfrm>
+      </p:grpSpPr>
+      <p:sp>
+        <p:nvSpPr>
+          <p:cNvPr id="3" name="Subtitle 2"/>
+          <p:cNvSpPr>
+            <a:spLocks noGrp="1"/>
+          </p:cNvSpPr>
+          <p:nvPr>
+            <p:ph type="subTitle" idx="1"/>
+          </p:nvPr>
+        </p:nvSpPr>
+        <p:spPr>
+          <a:xfrm>
+            <a:off x="107504" y="44624"/>
+            <a:ext cx="8928992" cy="6696744"/>
+          </a:xfrm>
+        </p:spPr>
+        <p:txBody>
+          <a:bodyPr/>
+          <a:lstStyle/>
+          <a:p>
+            <a:endParaRPr lang="en-IN"/>
+          </a:p>
+        </p:txBody>
+      </p:sp>
+      <p:pic>
+        <p:nvPicPr>
+          <p:cNvPr id="2050" name="Picture 2"/>
+          <p:cNvPicPr>
+            <a:picLocks noChangeAspect="1" noChangeArrowheads="1"/>
+          </p:cNvPicPr>
+          <p:nvPr/>
+        </p:nvPicPr>
+        <p:blipFill>
+          <a:blip r:embed="rId2">
+            <a:extLst>
+              <a:ext uri="{28A0092B-C50C-407E-A947-70E740481C1C}">
+                <a14:useLocalDpi xmlns:a14="http://schemas.microsoft.com/office/drawing/2010/main" val="0"/>
+              </a:ext>
+            </a:extLst>
+          </a:blip>
+          <a:srcRect/>
+          <a:stretch>
+            <a:fillRect/>
+          </a:stretch>
+        </p:blipFill>
+        <p:spPr bwMode="auto">
+          <a:xfrm>
+            <a:off x="384175" y="1157288"/>
+            <a:ext cx="8374063" cy="4543425"/>
+          </a:xfrm>
+          <a:prstGeom prst="rect">
+            <a:avLst/>
+          </a:prstGeom>
+          <a:noFill/>
+          <a:ln>
+            <a:noFill/>
+          </a:ln>
+          <a:effectLst/>
+          <a:extLst>
+            <a:ext uri="{909E8E84-426E-40DD-AFC4-6F175D3DCCD1}">
+              <a14:hiddenFill xmlns:a14="http://schemas.microsoft.com/office/drawing/2010/main">
+                <a:solidFill>
+                  <a:schemeClr val="accent1"/>
+                </a:solidFill>
+              </a14:hiddenFill>
+            </a:ext>
+            <a:ext uri="{91240B29-F687-4F45-9708-019B960494DF}">
+              <a14:hiddenLine xmlns:a14="http://schemas.microsoft.com/office/drawing/2010/main" w="9525">
+                <a:solidFill>
+                  <a:schemeClr val="tx1"/>
+                </a:solidFill>
+                <a:miter lim="800000"/>
+                <a:headEnd/>
+                <a:tailEnd/>
+              </a14:hiddenLine>
+            </a:ext>
+            <a:ext uri="{AF507438-7753-43E0-B8FC-AC1667EBCBE1}">
+              <a14:hiddenEffects xmlns:a14="http://schemas.microsoft.com/office/drawing/2010/main">
+                <a:effectLst>
+                  <a:outerShdw dist="35921" dir="2700000" algn="ctr" rotWithShape="0">
+                    <a:schemeClr val="bg2"/>
+                  </a:outerShdw>
+                </a:effectLst>
+              </a14:hiddenEffects>
+            </a:ext>
+          </a:extLst>
+        </p:spPr>
+      </p:pic>
+    </p:spTree>
+    <p:extLst>
+      <p:ext uri="{BB962C8B-B14F-4D97-AF65-F5344CB8AC3E}">
+        <p14:creationId xmlns:p14="http://schemas.microsoft.com/office/powerpoint/2010/main" val="574149950"/>
       </p:ext>
     </p:extLst>
   </p:cSld>

--- a/Architecture.pptx
+++ b/Architecture.pptx
@@ -7,6 +7,9 @@
   <p:sldIdLst>
     <p:sldId id="256" r:id="rId2"/>
     <p:sldId id="257" r:id="rId3"/>
+    <p:sldId id="258" r:id="rId4"/>
+    <p:sldId id="259" r:id="rId5"/>
+    <p:sldId id="260" r:id="rId6"/>
   </p:sldIdLst>
   <p:sldSz cx="9144000" cy="6858000" type="screen4x3"/>
   <p:notesSz cx="6858000" cy="9144000"/>
@@ -3306,6 +3309,391 @@
     <p:extLst>
       <p:ext uri="{BB962C8B-B14F-4D97-AF65-F5344CB8AC3E}">
         <p14:creationId xmlns:p14="http://schemas.microsoft.com/office/powerpoint/2010/main" val="574149950"/>
+      </p:ext>
+    </p:extLst>
+  </p:cSld>
+  <p:clrMapOvr>
+    <a:masterClrMapping/>
+  </p:clrMapOvr>
+</p:sld>
+</file>
+
+<file path=ppt/slides/slide3.xml><?xml version="1.0" encoding="utf-8"?>
+<p:sld xmlns:a="http://schemas.openxmlformats.org/drawingml/2006/main" xmlns:r="http://schemas.openxmlformats.org/officeDocument/2006/relationships" xmlns:p="http://schemas.openxmlformats.org/presentationml/2006/main">
+  <p:cSld>
+    <p:spTree>
+      <p:nvGrpSpPr>
+        <p:cNvPr id="1" name=""/>
+        <p:cNvGrpSpPr/>
+        <p:nvPr/>
+      </p:nvGrpSpPr>
+      <p:grpSpPr>
+        <a:xfrm>
+          <a:off x="0" y="0"/>
+          <a:ext cx="0" cy="0"/>
+          <a:chOff x="0" y="0"/>
+          <a:chExt cx="0" cy="0"/>
+        </a:xfrm>
+      </p:grpSpPr>
+      <p:sp>
+        <p:nvSpPr>
+          <p:cNvPr id="3" name="Subtitle 2"/>
+          <p:cNvSpPr>
+            <a:spLocks noGrp="1"/>
+          </p:cNvSpPr>
+          <p:nvPr>
+            <p:ph type="subTitle" idx="1"/>
+          </p:nvPr>
+        </p:nvSpPr>
+        <p:spPr>
+          <a:xfrm>
+            <a:off x="107504" y="44624"/>
+            <a:ext cx="8928992" cy="6696744"/>
+          </a:xfrm>
+        </p:spPr>
+        <p:txBody>
+          <a:bodyPr/>
+          <a:lstStyle/>
+          <a:p>
+            <a:endParaRPr lang="en-IN" dirty="0"/>
+          </a:p>
+        </p:txBody>
+      </p:sp>
+      <p:pic>
+        <p:nvPicPr>
+          <p:cNvPr id="3074" name="Picture 2"/>
+          <p:cNvPicPr>
+            <a:picLocks noChangeAspect="1" noChangeArrowheads="1"/>
+          </p:cNvPicPr>
+          <p:nvPr/>
+        </p:nvPicPr>
+        <p:blipFill>
+          <a:blip r:embed="rId2">
+            <a:extLst>
+              <a:ext uri="{28A0092B-C50C-407E-A947-70E740481C1C}">
+                <a14:useLocalDpi xmlns:a14="http://schemas.microsoft.com/office/drawing/2010/main" val="0"/>
+              </a:ext>
+            </a:extLst>
+          </a:blip>
+          <a:srcRect/>
+          <a:stretch>
+            <a:fillRect/>
+          </a:stretch>
+        </p:blipFill>
+        <p:spPr bwMode="auto">
+          <a:xfrm>
+            <a:off x="831850" y="2214563"/>
+            <a:ext cx="7478713" cy="2428875"/>
+          </a:xfrm>
+          <a:prstGeom prst="rect">
+            <a:avLst/>
+          </a:prstGeom>
+          <a:noFill/>
+          <a:ln>
+            <a:noFill/>
+          </a:ln>
+          <a:effectLst/>
+          <a:extLst>
+            <a:ext uri="{909E8E84-426E-40DD-AFC4-6F175D3DCCD1}">
+              <a14:hiddenFill xmlns:a14="http://schemas.microsoft.com/office/drawing/2010/main">
+                <a:solidFill>
+                  <a:schemeClr val="accent1"/>
+                </a:solidFill>
+              </a14:hiddenFill>
+            </a:ext>
+            <a:ext uri="{91240B29-F687-4F45-9708-019B960494DF}">
+              <a14:hiddenLine xmlns:a14="http://schemas.microsoft.com/office/drawing/2010/main" w="9525">
+                <a:solidFill>
+                  <a:schemeClr val="tx1"/>
+                </a:solidFill>
+                <a:miter lim="800000"/>
+                <a:headEnd/>
+                <a:tailEnd/>
+              </a14:hiddenLine>
+            </a:ext>
+            <a:ext uri="{AF507438-7753-43E0-B8FC-AC1667EBCBE1}">
+              <a14:hiddenEffects xmlns:a14="http://schemas.microsoft.com/office/drawing/2010/main">
+                <a:effectLst>
+                  <a:outerShdw dist="35921" dir="2700000" algn="ctr" rotWithShape="0">
+                    <a:schemeClr val="bg2"/>
+                  </a:outerShdw>
+                </a:effectLst>
+              </a14:hiddenEffects>
+            </a:ext>
+          </a:extLst>
+        </p:spPr>
+      </p:pic>
+    </p:spTree>
+    <p:extLst>
+      <p:ext uri="{BB962C8B-B14F-4D97-AF65-F5344CB8AC3E}">
+        <p14:creationId xmlns:p14="http://schemas.microsoft.com/office/powerpoint/2010/main" val="3891720290"/>
+      </p:ext>
+    </p:extLst>
+  </p:cSld>
+  <p:clrMapOvr>
+    <a:masterClrMapping/>
+  </p:clrMapOvr>
+</p:sld>
+</file>
+
+<file path=ppt/slides/slide4.xml><?xml version="1.0" encoding="utf-8"?>
+<p:sld xmlns:a="http://schemas.openxmlformats.org/drawingml/2006/main" xmlns:r="http://schemas.openxmlformats.org/officeDocument/2006/relationships" xmlns:p="http://schemas.openxmlformats.org/presentationml/2006/main">
+  <p:cSld>
+    <p:spTree>
+      <p:nvGrpSpPr>
+        <p:cNvPr id="1" name=""/>
+        <p:cNvGrpSpPr/>
+        <p:nvPr/>
+      </p:nvGrpSpPr>
+      <p:grpSpPr>
+        <a:xfrm>
+          <a:off x="0" y="0"/>
+          <a:ext cx="0" cy="0"/>
+          <a:chOff x="0" y="0"/>
+          <a:chExt cx="0" cy="0"/>
+        </a:xfrm>
+      </p:grpSpPr>
+      <p:sp>
+        <p:nvSpPr>
+          <p:cNvPr id="3" name="Subtitle 2"/>
+          <p:cNvSpPr>
+            <a:spLocks noGrp="1"/>
+          </p:cNvSpPr>
+          <p:nvPr>
+            <p:ph type="subTitle" idx="1"/>
+          </p:nvPr>
+        </p:nvSpPr>
+        <p:spPr>
+          <a:xfrm>
+            <a:off x="107504" y="44624"/>
+            <a:ext cx="8928992" cy="6696744"/>
+          </a:xfrm>
+        </p:spPr>
+        <p:txBody>
+          <a:bodyPr/>
+          <a:lstStyle/>
+          <a:p>
+            <a:endParaRPr lang="en-IN" dirty="0"/>
+          </a:p>
+        </p:txBody>
+      </p:sp>
+      <p:pic>
+        <p:nvPicPr>
+          <p:cNvPr id="4098" name="Picture 2"/>
+          <p:cNvPicPr>
+            <a:picLocks noChangeAspect="1" noChangeArrowheads="1"/>
+          </p:cNvPicPr>
+          <p:nvPr/>
+        </p:nvPicPr>
+        <p:blipFill>
+          <a:blip r:embed="rId2">
+            <a:extLst>
+              <a:ext uri="{28A0092B-C50C-407E-A947-70E740481C1C}">
+                <a14:useLocalDpi xmlns:a14="http://schemas.microsoft.com/office/drawing/2010/main" val="0"/>
+              </a:ext>
+            </a:extLst>
+          </a:blip>
+          <a:srcRect/>
+          <a:stretch>
+            <a:fillRect/>
+          </a:stretch>
+        </p:blipFill>
+        <p:spPr bwMode="auto">
+          <a:xfrm>
+            <a:off x="679450" y="1400175"/>
+            <a:ext cx="7783513" cy="4057650"/>
+          </a:xfrm>
+          <a:prstGeom prst="rect">
+            <a:avLst/>
+          </a:prstGeom>
+          <a:noFill/>
+          <a:ln>
+            <a:noFill/>
+          </a:ln>
+          <a:effectLst/>
+          <a:extLst>
+            <a:ext uri="{909E8E84-426E-40DD-AFC4-6F175D3DCCD1}">
+              <a14:hiddenFill xmlns:a14="http://schemas.microsoft.com/office/drawing/2010/main">
+                <a:solidFill>
+                  <a:schemeClr val="accent1"/>
+                </a:solidFill>
+              </a14:hiddenFill>
+            </a:ext>
+            <a:ext uri="{91240B29-F687-4F45-9708-019B960494DF}">
+              <a14:hiddenLine xmlns:a14="http://schemas.microsoft.com/office/drawing/2010/main" w="9525">
+                <a:solidFill>
+                  <a:schemeClr val="tx1"/>
+                </a:solidFill>
+                <a:miter lim="800000"/>
+                <a:headEnd/>
+                <a:tailEnd/>
+              </a14:hiddenLine>
+            </a:ext>
+            <a:ext uri="{AF507438-7753-43E0-B8FC-AC1667EBCBE1}">
+              <a14:hiddenEffects xmlns:a14="http://schemas.microsoft.com/office/drawing/2010/main">
+                <a:effectLst>
+                  <a:outerShdw dist="35921" dir="2700000" algn="ctr" rotWithShape="0">
+                    <a:schemeClr val="bg2"/>
+                  </a:outerShdw>
+                </a:effectLst>
+              </a14:hiddenEffects>
+            </a:ext>
+          </a:extLst>
+        </p:spPr>
+      </p:pic>
+    </p:spTree>
+    <p:extLst>
+      <p:ext uri="{BB962C8B-B14F-4D97-AF65-F5344CB8AC3E}">
+        <p14:creationId xmlns:p14="http://schemas.microsoft.com/office/powerpoint/2010/main" val="769186472"/>
+      </p:ext>
+    </p:extLst>
+  </p:cSld>
+  <p:clrMapOvr>
+    <a:masterClrMapping/>
+  </p:clrMapOvr>
+</p:sld>
+</file>
+
+<file path=ppt/slides/slide5.xml><?xml version="1.0" encoding="utf-8"?>
+<p:sld xmlns:a="http://schemas.openxmlformats.org/drawingml/2006/main" xmlns:r="http://schemas.openxmlformats.org/officeDocument/2006/relationships" xmlns:p="http://schemas.openxmlformats.org/presentationml/2006/main">
+  <p:cSld>
+    <p:spTree>
+      <p:nvGrpSpPr>
+        <p:cNvPr id="1" name=""/>
+        <p:cNvGrpSpPr/>
+        <p:nvPr/>
+      </p:nvGrpSpPr>
+      <p:grpSpPr>
+        <a:xfrm>
+          <a:off x="0" y="0"/>
+          <a:ext cx="0" cy="0"/>
+          <a:chOff x="0" y="0"/>
+          <a:chExt cx="0" cy="0"/>
+        </a:xfrm>
+      </p:grpSpPr>
+      <p:sp>
+        <p:nvSpPr>
+          <p:cNvPr id="3" name="Subtitle 2"/>
+          <p:cNvSpPr>
+            <a:spLocks noGrp="1"/>
+          </p:cNvSpPr>
+          <p:nvPr>
+            <p:ph type="subTitle" idx="1"/>
+          </p:nvPr>
+        </p:nvSpPr>
+        <p:spPr>
+          <a:xfrm>
+            <a:off x="107504" y="44624"/>
+            <a:ext cx="8928992" cy="6696744"/>
+          </a:xfrm>
+        </p:spPr>
+        <p:txBody>
+          <a:bodyPr>
+            <a:normAutofit/>
+          </a:bodyPr>
+          <a:lstStyle/>
+          <a:p>
+            <a:pPr marL="342900" indent="-342900" algn="l">
+              <a:buAutoNum type="arabicPeriod"/>
+            </a:pPr>
+            <a:r>
+              <a:rPr lang="en-IN" sz="1800" dirty="0" smtClean="0"/>
+              <a:t>Whenever state changes,  the react component is re-evaluated.</a:t>
+            </a:r>
+          </a:p>
+          <a:p>
+            <a:pPr marL="342900" indent="-342900" algn="l">
+              <a:buAutoNum type="arabicPeriod"/>
+            </a:pPr>
+            <a:r>
+              <a:rPr lang="en-IN" sz="1800" dirty="0" smtClean="0"/>
+              <a:t>Re-evaluation means re-render of Virtual DOM in memory, NOT Real DOM on browser</a:t>
+            </a:r>
+          </a:p>
+          <a:p>
+            <a:pPr marL="342900" indent="-342900" algn="l">
+              <a:buAutoNum type="arabicPeriod"/>
+            </a:pPr>
+            <a:r>
+              <a:rPr lang="en-IN" sz="1800" dirty="0" smtClean="0"/>
+              <a:t>The only difference between Virtual DOM and Real DOM is updated, NOT </a:t>
+            </a:r>
+            <a:r>
+              <a:rPr lang="en-IN" sz="1800" smtClean="0"/>
+              <a:t>the entire Real DOM.</a:t>
+            </a:r>
+            <a:endParaRPr lang="en-IN" sz="1800" dirty="0"/>
+          </a:p>
+        </p:txBody>
+      </p:sp>
+      <p:pic>
+        <p:nvPicPr>
+          <p:cNvPr id="5122" name="Picture 2"/>
+          <p:cNvPicPr>
+            <a:picLocks noChangeAspect="1" noChangeArrowheads="1"/>
+          </p:cNvPicPr>
+          <p:nvPr/>
+        </p:nvPicPr>
+        <p:blipFill>
+          <a:blip r:embed="rId2">
+            <a:extLst>
+              <a:ext uri="{28A0092B-C50C-407E-A947-70E740481C1C}">
+                <a14:useLocalDpi xmlns:a14="http://schemas.microsoft.com/office/drawing/2010/main" val="0"/>
+              </a:ext>
+            </a:extLst>
+          </a:blip>
+          <a:srcRect/>
+          <a:stretch>
+            <a:fillRect/>
+          </a:stretch>
+        </p:blipFill>
+        <p:spPr bwMode="auto">
+          <a:xfrm>
+            <a:off x="323528" y="2661642"/>
+            <a:ext cx="8496944" cy="4079726"/>
+          </a:xfrm>
+          <a:prstGeom prst="rect">
+            <a:avLst/>
+          </a:prstGeom>
+          <a:noFill/>
+          <a:ln>
+            <a:noFill/>
+          </a:ln>
+          <a:effectLst/>
+          <a:extLst>
+            <a:ext uri="{909E8E84-426E-40DD-AFC4-6F175D3DCCD1}">
+              <a14:hiddenFill xmlns:a14="http://schemas.microsoft.com/office/drawing/2010/main">
+                <a:solidFill>
+                  <a:schemeClr val="accent1"/>
+                </a:solidFill>
+              </a14:hiddenFill>
+            </a:ext>
+            <a:ext uri="{91240B29-F687-4F45-9708-019B960494DF}">
+              <a14:hiddenLine xmlns:a14="http://schemas.microsoft.com/office/drawing/2010/main" w="9525">
+                <a:solidFill>
+                  <a:schemeClr val="tx1"/>
+                </a:solidFill>
+                <a:miter lim="800000"/>
+                <a:headEnd/>
+                <a:tailEnd/>
+              </a14:hiddenLine>
+            </a:ext>
+            <a:ext uri="{AF507438-7753-43E0-B8FC-AC1667EBCBE1}">
+              <a14:hiddenEffects xmlns:a14="http://schemas.microsoft.com/office/drawing/2010/main">
+                <a:effectLst>
+                  <a:outerShdw dist="35921" dir="2700000" algn="ctr" rotWithShape="0">
+                    <a:schemeClr val="bg2"/>
+                  </a:outerShdw>
+                </a:effectLst>
+              </a14:hiddenEffects>
+            </a:ext>
+          </a:extLst>
+        </p:spPr>
+      </p:pic>
+    </p:spTree>
+    <p:extLst>
+      <p:ext uri="{BB962C8B-B14F-4D97-AF65-F5344CB8AC3E}">
+        <p14:creationId xmlns:p14="http://schemas.microsoft.com/office/powerpoint/2010/main" val="202794792"/>
       </p:ext>
     </p:extLst>
   </p:cSld>

--- a/Architecture.pptx
+++ b/Architecture.pptx
@@ -10,6 +10,7 @@
     <p:sldId id="258" r:id="rId4"/>
     <p:sldId id="259" r:id="rId5"/>
     <p:sldId id="260" r:id="rId6"/>
+    <p:sldId id="261" r:id="rId7"/>
   </p:sldIdLst>
   <p:sldSz cx="9144000" cy="6858000" type="screen4x3"/>
   <p:notesSz cx="6858000" cy="9144000"/>
@@ -3616,11 +3617,24 @@
             </a:pPr>
             <a:r>
               <a:rPr lang="en-IN" sz="1800" dirty="0" smtClean="0"/>
-              <a:t>The only difference between Virtual DOM and Real DOM is updated, NOT </a:t>
-            </a:r>
-            <a:r>
-              <a:rPr lang="en-IN" sz="1800" smtClean="0"/>
-              <a:t>the entire Real DOM.</a:t>
+              <a:t>The only difference between Virtual DOM and Real DOM is updated, NOT the entire Real DOM.</a:t>
+            </a:r>
+          </a:p>
+          <a:p>
+            <a:pPr marL="342900" indent="-342900" algn="l">
+              <a:buAutoNum type="arabicPeriod"/>
+            </a:pPr>
+            <a:r>
+              <a:rPr lang="en-IN" sz="1800" dirty="0" smtClean="0"/>
+              <a:t>Important Point: If a component and its child component re-evaluated/re-</a:t>
+            </a:r>
+            <a:r>
+              <a:rPr lang="en-IN" sz="1800" dirty="0" err="1" smtClean="0"/>
+              <a:t>execcuted</a:t>
+            </a:r>
+            <a:r>
+              <a:rPr lang="en-IN" sz="1800" dirty="0" smtClean="0"/>
+              <a:t>, and there is no difference between Virtual and Real DOM, the real DOM is not re-rendered. SO if this is the case, can we AVOID even the re-evaluation of react component and its comparison with Real DOM. We can do using memo hook.</a:t>
             </a:r>
             <a:endParaRPr lang="en-IN" sz="1800" dirty="0"/>
           </a:p>
@@ -3694,6 +3708,153 @@
     <p:extLst>
       <p:ext uri="{BB962C8B-B14F-4D97-AF65-F5344CB8AC3E}">
         <p14:creationId xmlns:p14="http://schemas.microsoft.com/office/powerpoint/2010/main" val="202794792"/>
+      </p:ext>
+    </p:extLst>
+  </p:cSld>
+  <p:clrMapOvr>
+    <a:masterClrMapping/>
+  </p:clrMapOvr>
+</p:sld>
+</file>
+
+<file path=ppt/slides/slide6.xml><?xml version="1.0" encoding="utf-8"?>
+<p:sld xmlns:a="http://schemas.openxmlformats.org/drawingml/2006/main" xmlns:r="http://schemas.openxmlformats.org/officeDocument/2006/relationships" xmlns:p="http://schemas.openxmlformats.org/presentationml/2006/main">
+  <p:cSld>
+    <p:spTree>
+      <p:nvGrpSpPr>
+        <p:cNvPr id="1" name=""/>
+        <p:cNvGrpSpPr/>
+        <p:nvPr/>
+      </p:nvGrpSpPr>
+      <p:grpSpPr>
+        <a:xfrm>
+          <a:off x="0" y="0"/>
+          <a:ext cx="0" cy="0"/>
+          <a:chOff x="0" y="0"/>
+          <a:chExt cx="0" cy="0"/>
+        </a:xfrm>
+      </p:grpSpPr>
+      <p:sp>
+        <p:nvSpPr>
+          <p:cNvPr id="3" name="Subtitle 2"/>
+          <p:cNvSpPr>
+            <a:spLocks noGrp="1"/>
+          </p:cNvSpPr>
+          <p:nvPr>
+            <p:ph type="subTitle" idx="1"/>
+          </p:nvPr>
+        </p:nvSpPr>
+        <p:spPr>
+          <a:xfrm>
+            <a:off x="107504" y="44624"/>
+            <a:ext cx="8928992" cy="6696744"/>
+          </a:xfrm>
+        </p:spPr>
+        <p:txBody>
+          <a:bodyPr>
+            <a:normAutofit/>
+          </a:bodyPr>
+          <a:lstStyle/>
+          <a:p>
+            <a:pPr algn="l"/>
+            <a:r>
+              <a:rPr lang="en-IN" sz="1800" dirty="0" smtClean="0"/>
+              <a:t>5. </a:t>
+            </a:r>
+            <a:r>
+              <a:rPr lang="en-IN" sz="1800" dirty="0" err="1" smtClean="0"/>
+              <a:t>React.memo</a:t>
+            </a:r>
+            <a:r>
+              <a:rPr lang="en-IN" sz="1800" dirty="0" smtClean="0"/>
+              <a:t> compares old props with new props. If no changes, then it does not </a:t>
+            </a:r>
+            <a:r>
+              <a:rPr lang="en-IN" sz="1800" dirty="0" err="1" smtClean="0"/>
+              <a:t>reevaluate</a:t>
+            </a:r>
+            <a:r>
+              <a:rPr lang="en-IN" sz="1800" dirty="0" smtClean="0"/>
+              <a:t> and compare with Real DOM</a:t>
+            </a:r>
+          </a:p>
+          <a:p>
+            <a:pPr algn="l"/>
+            <a:r>
+              <a:rPr lang="en-IN" sz="1800" dirty="0" smtClean="0"/>
+              <a:t>6. So there are 2 things </a:t>
+            </a:r>
+          </a:p>
+          <a:p>
+            <a:pPr marL="342900" indent="-342900" algn="l">
+              <a:buFont typeface="+mj-lt"/>
+              <a:buAutoNum type="alphaUcPeriod"/>
+            </a:pPr>
+            <a:r>
+              <a:rPr lang="en-IN" sz="1800" dirty="0" smtClean="0"/>
+              <a:t>Comparison between props </a:t>
+            </a:r>
+          </a:p>
+          <a:p>
+            <a:pPr marL="342900" indent="-342900" algn="l">
+              <a:buAutoNum type="alphaUcPeriod"/>
+            </a:pPr>
+            <a:r>
+              <a:rPr lang="en-IN" sz="1800" dirty="0" smtClean="0"/>
+              <a:t>.</a:t>
+            </a:r>
+            <a:r>
+              <a:rPr lang="en-IN" sz="1800" dirty="0" err="1" smtClean="0"/>
+              <a:t>Reevaluation</a:t>
+            </a:r>
+            <a:r>
+              <a:rPr lang="en-IN" sz="1800" dirty="0" smtClean="0"/>
+              <a:t> of component and comparison with Real DOM</a:t>
+            </a:r>
+          </a:p>
+          <a:p>
+            <a:pPr marL="342900" indent="-342900" algn="l">
+              <a:buAutoNum type="alphaUcPeriod"/>
+            </a:pPr>
+            <a:endParaRPr lang="en-IN" sz="1800" dirty="0"/>
+          </a:p>
+          <a:p>
+            <a:pPr algn="l"/>
+            <a:r>
+              <a:rPr lang="en-IN" sz="1800" dirty="0" smtClean="0"/>
+              <a:t>7. So the strategy is that if props does NOT change much, use </a:t>
+            </a:r>
+            <a:r>
+              <a:rPr lang="en-IN" sz="1800" dirty="0" err="1" smtClean="0"/>
+              <a:t>React.memo</a:t>
+            </a:r>
+            <a:r>
+              <a:rPr lang="en-IN" sz="1800" dirty="0" smtClean="0"/>
+              <a:t>.</a:t>
+            </a:r>
+          </a:p>
+          <a:p>
+            <a:pPr algn="l"/>
+            <a:r>
+              <a:rPr lang="en-IN" sz="1800" dirty="0" smtClean="0"/>
+              <a:t>8.  So don’t use </a:t>
+            </a:r>
+            <a:r>
+              <a:rPr lang="en-IN" sz="1800" dirty="0" err="1" smtClean="0"/>
+              <a:t>React.memo</a:t>
+            </a:r>
+            <a:r>
+              <a:rPr lang="en-IN" sz="1800" smtClean="0"/>
+              <a:t> blindly</a:t>
+            </a:r>
+            <a:endParaRPr lang="en-IN" sz="1800" dirty="0"/>
+          </a:p>
+        </p:txBody>
+      </p:sp>
+    </p:spTree>
+    <p:extLst>
+      <p:ext uri="{BB962C8B-B14F-4D97-AF65-F5344CB8AC3E}">
+        <p14:creationId xmlns:p14="http://schemas.microsoft.com/office/powerpoint/2010/main" val="4003820472"/>
       </p:ext>
     </p:extLst>
   </p:cSld>

--- a/Architecture.pptx
+++ b/Architecture.pptx
@@ -11,6 +11,7 @@
     <p:sldId id="259" r:id="rId5"/>
     <p:sldId id="260" r:id="rId6"/>
     <p:sldId id="261" r:id="rId7"/>
+    <p:sldId id="262" r:id="rId8"/>
   </p:sldIdLst>
   <p:sldSz cx="9144000" cy="6858000" type="screen4x3"/>
   <p:notesSz cx="6858000" cy="9144000"/>
@@ -3844,7 +3845,7 @@
               <a:t>React.memo</a:t>
             </a:r>
             <a:r>
-              <a:rPr lang="en-IN" sz="1800" smtClean="0"/>
+              <a:rPr lang="en-IN" sz="1800" dirty="0" smtClean="0"/>
               <a:t> blindly</a:t>
             </a:r>
             <a:endParaRPr lang="en-IN" sz="1800" dirty="0"/>
@@ -3855,6 +3856,164 @@
     <p:extLst>
       <p:ext uri="{BB962C8B-B14F-4D97-AF65-F5344CB8AC3E}">
         <p14:creationId xmlns:p14="http://schemas.microsoft.com/office/powerpoint/2010/main" val="4003820472"/>
+      </p:ext>
+    </p:extLst>
+  </p:cSld>
+  <p:clrMapOvr>
+    <a:masterClrMapping/>
+  </p:clrMapOvr>
+</p:sld>
+</file>
+
+<file path=ppt/slides/slide7.xml><?xml version="1.0" encoding="utf-8"?>
+<p:sld xmlns:a="http://schemas.openxmlformats.org/drawingml/2006/main" xmlns:r="http://schemas.openxmlformats.org/officeDocument/2006/relationships" xmlns:p="http://schemas.openxmlformats.org/presentationml/2006/main">
+  <p:cSld>
+    <p:spTree>
+      <p:nvGrpSpPr>
+        <p:cNvPr id="1" name=""/>
+        <p:cNvGrpSpPr/>
+        <p:nvPr/>
+      </p:nvGrpSpPr>
+      <p:grpSpPr>
+        <a:xfrm>
+          <a:off x="0" y="0"/>
+          <a:ext cx="0" cy="0"/>
+          <a:chOff x="0" y="0"/>
+          <a:chExt cx="0" cy="0"/>
+        </a:xfrm>
+      </p:grpSpPr>
+      <p:pic>
+        <p:nvPicPr>
+          <p:cNvPr id="6146" name="Picture 2"/>
+          <p:cNvPicPr>
+            <a:picLocks noChangeAspect="1" noChangeArrowheads="1"/>
+          </p:cNvPicPr>
+          <p:nvPr/>
+        </p:nvPicPr>
+        <p:blipFill>
+          <a:blip r:embed="rId2">
+            <a:extLst>
+              <a:ext uri="{28A0092B-C50C-407E-A947-70E740481C1C}">
+                <a14:useLocalDpi xmlns:a14="http://schemas.microsoft.com/office/drawing/2010/main" val="0"/>
+              </a:ext>
+            </a:extLst>
+          </a:blip>
+          <a:srcRect/>
+          <a:stretch>
+            <a:fillRect/>
+          </a:stretch>
+        </p:blipFill>
+        <p:spPr bwMode="auto">
+          <a:xfrm>
+            <a:off x="212725" y="1176338"/>
+            <a:ext cx="8716963" cy="4505325"/>
+          </a:xfrm>
+          <a:prstGeom prst="rect">
+            <a:avLst/>
+          </a:prstGeom>
+          <a:noFill/>
+          <a:ln>
+            <a:noFill/>
+          </a:ln>
+          <a:effectLst/>
+          <a:extLst>
+            <a:ext uri="{909E8E84-426E-40DD-AFC4-6F175D3DCCD1}">
+              <a14:hiddenFill xmlns:a14="http://schemas.microsoft.com/office/drawing/2010/main">
+                <a:solidFill>
+                  <a:schemeClr val="accent1"/>
+                </a:solidFill>
+              </a14:hiddenFill>
+            </a:ext>
+            <a:ext uri="{91240B29-F687-4F45-9708-019B960494DF}">
+              <a14:hiddenLine xmlns:a14="http://schemas.microsoft.com/office/drawing/2010/main" w="9525">
+                <a:solidFill>
+                  <a:schemeClr val="tx1"/>
+                </a:solidFill>
+                <a:miter lim="800000"/>
+                <a:headEnd/>
+                <a:tailEnd/>
+              </a14:hiddenLine>
+            </a:ext>
+            <a:ext uri="{AF507438-7753-43E0-B8FC-AC1667EBCBE1}">
+              <a14:hiddenEffects xmlns:a14="http://schemas.microsoft.com/office/drawing/2010/main">
+                <a:effectLst>
+                  <a:outerShdw dist="35921" dir="2700000" algn="ctr" rotWithShape="0">
+                    <a:schemeClr val="bg2"/>
+                  </a:outerShdw>
+                </a:effectLst>
+              </a14:hiddenEffects>
+            </a:ext>
+          </a:extLst>
+        </p:spPr>
+      </p:pic>
+      <p:pic>
+        <p:nvPicPr>
+          <p:cNvPr id="6147" name="Picture 3"/>
+          <p:cNvPicPr>
+            <a:picLocks noChangeAspect="1" noChangeArrowheads="1"/>
+          </p:cNvPicPr>
+          <p:nvPr/>
+        </p:nvPicPr>
+        <p:blipFill>
+          <a:blip r:embed="rId3">
+            <a:extLst>
+              <a:ext uri="{28A0092B-C50C-407E-A947-70E740481C1C}">
+                <a14:useLocalDpi xmlns:a14="http://schemas.microsoft.com/office/drawing/2010/main" val="0"/>
+              </a:ext>
+            </a:extLst>
+          </a:blip>
+          <a:srcRect/>
+          <a:stretch>
+            <a:fillRect/>
+          </a:stretch>
+        </p:blipFill>
+        <p:spPr bwMode="auto">
+          <a:xfrm>
+            <a:off x="323528" y="5035252"/>
+            <a:ext cx="2448272" cy="1562100"/>
+          </a:xfrm>
+          <a:prstGeom prst="rect">
+            <a:avLst/>
+          </a:prstGeom>
+          <a:noFill/>
+          <a:ln>
+            <a:noFill/>
+          </a:ln>
+          <a:effectLst/>
+          <a:extLst>
+            <a:ext uri="{909E8E84-426E-40DD-AFC4-6F175D3DCCD1}">
+              <a14:hiddenFill xmlns:a14="http://schemas.microsoft.com/office/drawing/2010/main">
+                <a:solidFill>
+                  <a:schemeClr val="accent1"/>
+                </a:solidFill>
+              </a14:hiddenFill>
+            </a:ext>
+            <a:ext uri="{91240B29-F687-4F45-9708-019B960494DF}">
+              <a14:hiddenLine xmlns:a14="http://schemas.microsoft.com/office/drawing/2010/main" w="9525">
+                <a:solidFill>
+                  <a:schemeClr val="tx1"/>
+                </a:solidFill>
+                <a:miter lim="800000"/>
+                <a:headEnd/>
+                <a:tailEnd/>
+              </a14:hiddenLine>
+            </a:ext>
+            <a:ext uri="{AF507438-7753-43E0-B8FC-AC1667EBCBE1}">
+              <a14:hiddenEffects xmlns:a14="http://schemas.microsoft.com/office/drawing/2010/main">
+                <a:effectLst>
+                  <a:outerShdw dist="35921" dir="2700000" algn="ctr" rotWithShape="0">
+                    <a:schemeClr val="bg2"/>
+                  </a:outerShdw>
+                </a:effectLst>
+              </a14:hiddenEffects>
+            </a:ext>
+          </a:extLst>
+        </p:spPr>
+      </p:pic>
+    </p:spTree>
+    <p:extLst>
+      <p:ext uri="{BB962C8B-B14F-4D97-AF65-F5344CB8AC3E}">
+        <p14:creationId xmlns:p14="http://schemas.microsoft.com/office/powerpoint/2010/main" val="1900290473"/>
       </p:ext>
     </p:extLst>
   </p:cSld>
